--- a/deliverables/AVC Final Project.pptx
+++ b/deliverables/AVC Final Project.pptx
@@ -1500,7 +1500,7 @@
           <a:p>
             <a:fld id="{4AAD347D-5ACD-4C99-B74B-A9C85AD731AF}" type="datetimeFigureOut">
               <a:rPr lang="en-US" dirty="0"/>
-              <a:t>6/5/2022</a:t>
+              <a:t>6/6/2022</a:t>
             </a:fld>
             <a:endParaRPr lang="en-US" dirty="0"/>
           </a:p>
@@ -1785,7 +1785,7 @@
           <a:p>
             <a:fld id="{4509A250-FF31-4206-8172-F9D3106AACB1}" type="datetimeFigureOut">
               <a:rPr lang="en-US" dirty="0"/>
-              <a:t>6/5/2022</a:t>
+              <a:t>6/6/2022</a:t>
             </a:fld>
             <a:endParaRPr lang="en-US" dirty="0"/>
           </a:p>
@@ -1989,7 +1989,7 @@
           <a:p>
             <a:fld id="{4509A250-FF31-4206-8172-F9D3106AACB1}" type="datetimeFigureOut">
               <a:rPr lang="en-US" dirty="0"/>
-              <a:t>6/5/2022</a:t>
+              <a:t>6/6/2022</a:t>
             </a:fld>
             <a:endParaRPr lang="en-US" dirty="0"/>
           </a:p>
@@ -2272,7 +2272,7 @@
           <a:p>
             <a:fld id="{4509A250-FF31-4206-8172-F9D3106AACB1}" type="datetimeFigureOut">
               <a:rPr lang="en-US" dirty="0"/>
-              <a:t>6/5/2022</a:t>
+              <a:t>6/6/2022</a:t>
             </a:fld>
             <a:endParaRPr lang="en-US" dirty="0"/>
           </a:p>
@@ -2623,7 +2623,7 @@
           <a:p>
             <a:fld id="{4509A250-FF31-4206-8172-F9D3106AACB1}" type="datetimeFigureOut">
               <a:rPr lang="en-US" dirty="0"/>
-              <a:t>6/5/2022</a:t>
+              <a:t>6/6/2022</a:t>
             </a:fld>
             <a:endParaRPr lang="en-US" dirty="0"/>
           </a:p>
@@ -3256,7 +3256,7 @@
           <a:p>
             <a:fld id="{4509A250-FF31-4206-8172-F9D3106AACB1}" type="datetimeFigureOut">
               <a:rPr lang="en-US" dirty="0"/>
-              <a:t>6/5/2022</a:t>
+              <a:t>6/6/2022</a:t>
             </a:fld>
             <a:endParaRPr lang="en-US" dirty="0"/>
           </a:p>
@@ -4126,7 +4126,7 @@
           <a:p>
             <a:fld id="{4509A250-FF31-4206-8172-F9D3106AACB1}" type="datetimeFigureOut">
               <a:rPr lang="en-US" dirty="0"/>
-              <a:t>6/5/2022</a:t>
+              <a:t>6/6/2022</a:t>
             </a:fld>
             <a:endParaRPr lang="en-US" dirty="0"/>
           </a:p>
@@ -4306,7 +4306,7 @@
           <a:p>
             <a:fld id="{4509A250-FF31-4206-8172-F9D3106AACB1}" type="datetimeFigureOut">
               <a:rPr lang="en-US" dirty="0"/>
-              <a:t>6/5/2022</a:t>
+              <a:t>6/6/2022</a:t>
             </a:fld>
             <a:endParaRPr lang="en-US" dirty="0"/>
           </a:p>
@@ -4496,7 +4496,7 @@
           <a:p>
             <a:fld id="{4509A250-FF31-4206-8172-F9D3106AACB1}" type="datetimeFigureOut">
               <a:rPr lang="en-US" dirty="0"/>
-              <a:t>6/5/2022</a:t>
+              <a:t>6/6/2022</a:t>
             </a:fld>
             <a:endParaRPr lang="en-US" dirty="0"/>
           </a:p>
@@ -5043,7 +5043,7 @@
           <a:p>
             <a:fld id="{4509A250-FF31-4206-8172-F9D3106AACB1}" type="datetimeFigureOut">
               <a:rPr lang="en-US" dirty="0"/>
-              <a:t>6/5/2022</a:t>
+              <a:t>6/6/2022</a:t>
             </a:fld>
             <a:endParaRPr lang="en-US" dirty="0"/>
           </a:p>
@@ -5300,7 +5300,7 @@
           <a:p>
             <a:fld id="{9796027F-7875-4030-9381-8BD8C4F21935}" type="datetimeFigureOut">
               <a:rPr lang="en-US" dirty="0"/>
-              <a:t>6/5/2022</a:t>
+              <a:t>6/6/2022</a:t>
             </a:fld>
             <a:endParaRPr lang="en-US" dirty="0"/>
           </a:p>
@@ -5602,7 +5602,7 @@
           <a:p>
             <a:fld id="{9796027F-7875-4030-9381-8BD8C4F21935}" type="datetimeFigureOut">
               <a:rPr lang="en-US" dirty="0"/>
-              <a:t>6/5/2022</a:t>
+              <a:t>6/6/2022</a:t>
             </a:fld>
             <a:endParaRPr lang="en-US" dirty="0"/>
           </a:p>
@@ -6056,7 +6056,7 @@
           <a:p>
             <a:fld id="{9796027F-7875-4030-9381-8BD8C4F21935}" type="datetimeFigureOut">
               <a:rPr lang="en-US" dirty="0"/>
-              <a:t>6/5/2022</a:t>
+              <a:t>6/6/2022</a:t>
             </a:fld>
             <a:endParaRPr lang="en-US" dirty="0"/>
           </a:p>
@@ -6184,7 +6184,7 @@
           <a:p>
             <a:fld id="{4509A250-FF31-4206-8172-F9D3106AACB1}" type="datetimeFigureOut">
               <a:rPr lang="en-US" dirty="0"/>
-              <a:t>6/5/2022</a:t>
+              <a:t>6/6/2022</a:t>
             </a:fld>
             <a:endParaRPr lang="en-US" dirty="0"/>
           </a:p>
@@ -6289,7 +6289,7 @@
           <a:p>
             <a:fld id="{4509A250-FF31-4206-8172-F9D3106AACB1}" type="datetimeFigureOut">
               <a:rPr lang="en-US" dirty="0"/>
-              <a:t>6/5/2022</a:t>
+              <a:t>6/6/2022</a:t>
             </a:fld>
             <a:endParaRPr lang="en-US" dirty="0"/>
           </a:p>
@@ -6577,7 +6577,7 @@
           <a:p>
             <a:fld id="{4509A250-FF31-4206-8172-F9D3106AACB1}" type="datetimeFigureOut">
               <a:rPr lang="en-US" dirty="0"/>
-              <a:t>6/5/2022</a:t>
+              <a:t>6/6/2022</a:t>
             </a:fld>
             <a:endParaRPr lang="en-US" dirty="0"/>
           </a:p>
@@ -6862,7 +6862,7 @@
           <a:p>
             <a:fld id="{4509A250-FF31-4206-8172-F9D3106AACB1}" type="datetimeFigureOut">
               <a:rPr lang="en-US" dirty="0"/>
-              <a:t>6/5/2022</a:t>
+              <a:t>6/6/2022</a:t>
             </a:fld>
             <a:endParaRPr lang="en-US" dirty="0"/>
           </a:p>
@@ -7301,7 +7301,7 @@
           <a:p>
             <a:fld id="{4AAD347D-5ACD-4C99-B74B-A9C85AD731AF}" type="datetimeFigureOut">
               <a:rPr lang="en-US" dirty="0"/>
-              <a:t>6/5/2022</a:t>
+              <a:t>6/6/2022</a:t>
             </a:fld>
             <a:endParaRPr lang="en-US" dirty="0"/>
           </a:p>
@@ -10116,7 +10116,7 @@
         </p:spPr>
         <p:txBody>
           <a:bodyPr spcFirstLastPara="1" vert="horz" lIns="91440" tIns="45720" rIns="91440" bIns="45720" rtlCol="0" anchorCtr="0">
-            <a:normAutofit lnSpcReduction="10000"/>
+            <a:normAutofit fontScale="85000" lnSpcReduction="10000"/>
           </a:bodyPr>
           <a:lstStyle/>
           <a:p>
@@ -10154,8 +10154,55 @@
                   <a:srgbClr val="FFFFFF"/>
                 </a:solidFill>
               </a:rPr>
-              <a:t> a set of data points on the employees who are either currently working within the company or have resigned.</a:t>
+              <a:t> </a:t>
             </a:r>
+          </a:p>
+          <a:p>
+            <a:pPr marL="457200" lvl="1" indent="0" defTabSz="457200">
+              <a:lnSpc>
+                <a:spcPct val="90000"/>
+              </a:lnSpc>
+              <a:spcBef>
+                <a:spcPts val="1000"/>
+              </a:spcBef>
+              <a:buSzPct val="80000"/>
+              <a:buFont typeface="Wingdings 3" charset="2"/>
+              <a:buChar char=""/>
+            </a:pPr>
+            <a:r>
+              <a:rPr lang="en-US" sz="1250" dirty="0">
+                <a:solidFill>
+                  <a:srgbClr val="FFFFFF"/>
+                </a:solidFill>
+              </a:rPr>
+              <a:t>A set of data points on the employees who are either currently working within the company or have resigned.</a:t>
+            </a:r>
+          </a:p>
+          <a:p>
+            <a:pPr marL="457200" lvl="1" indent="0" defTabSz="457200">
+              <a:lnSpc>
+                <a:spcPct val="90000"/>
+              </a:lnSpc>
+              <a:spcBef>
+                <a:spcPts val="1000"/>
+              </a:spcBef>
+              <a:buSzPct val="80000"/>
+              <a:buFont typeface="Wingdings 3" charset="2"/>
+              <a:buChar char=""/>
+            </a:pPr>
+            <a:r>
+              <a:rPr lang="en-US" altLang="zh-CN" sz="1250" dirty="0">
+                <a:solidFill>
+                  <a:srgbClr val="FFFFFF"/>
+                </a:solidFill>
+              </a:rPr>
+              <a:t>With features related to attrition</a:t>
+            </a:r>
+            <a:endParaRPr lang="en-US" sz="1250" dirty="0">
+              <a:solidFill>
+                <a:srgbClr val="FFFFFF"/>
+              </a:solidFill>
+            </a:endParaRPr>
           </a:p>
           <a:p>
             <a:pPr marL="0" lvl="0" indent="0" defTabSz="457200">
@@ -10214,7 +10261,23 @@
                   <a:srgbClr val="FFFFFF"/>
                 </a:solidFill>
               </a:rPr>
-              <a:t>Store processed data (related employee attributes and corresponding attrition results)</a:t>
+              <a:t>Store processed data (related </a:t>
+            </a:r>
+            <a:r>
+              <a:rPr lang="en-US" sz="1400">
+                <a:solidFill>
+                  <a:srgbClr val="FFFFFF"/>
+                </a:solidFill>
+              </a:rPr>
+              <a:t>employee features </a:t>
+            </a:r>
+            <a:r>
+              <a:rPr lang="en-US" sz="1400" dirty="0">
+                <a:solidFill>
+                  <a:srgbClr val="FFFFFF"/>
+                </a:solidFill>
+              </a:rPr>
+              <a:t>and corresponding attrition results)</a:t>
             </a:r>
           </a:p>
           <a:p>
